--- a/FYP2 MID PRESENTATION.pptx
+++ b/FYP2 MID PRESENTATION.pptx
@@ -221,7 +221,7 @@
           <a:p>
             <a:fld id="{4DBE208E-777F-43C2-99E0-93BC467010A1}" type="datetimeFigureOut">
               <a:rPr lang="en-US" smtClean="0"/>
-              <a:t>6/2/2024</a:t>
+              <a:t>6/3/2024</a:t>
             </a:fld>
             <a:endParaRPr lang="en-US"/>
           </a:p>
@@ -627,7 +627,7 @@
           <a:p>
             <a:fld id="{1D8BD707-D9CF-40AE-B4C6-C98DA3205C09}" type="datetimeFigureOut">
               <a:rPr lang="en-US"/>
-              <a:t>6/2/2024</a:t>
+              <a:t>6/3/2024</a:t>
             </a:fld>
             <a:endParaRPr lang="en-US"/>
           </a:p>
@@ -804,7 +804,7 @@
           <a:p>
             <a:fld id="{1D8BD707-D9CF-40AE-B4C6-C98DA3205C09}" type="datetimeFigureOut">
               <a:rPr lang="en-US"/>
-              <a:t>6/2/2024</a:t>
+              <a:t>6/3/2024</a:t>
             </a:fld>
             <a:endParaRPr lang="en-US"/>
           </a:p>
@@ -1018,7 +1018,7 @@
           <a:p>
             <a:fld id="{1D8BD707-D9CF-40AE-B4C6-C98DA3205C09}" type="datetimeFigureOut">
               <a:rPr lang="en-US"/>
-              <a:t>6/2/2024</a:t>
+              <a:t>6/3/2024</a:t>
             </a:fld>
             <a:endParaRPr lang="en-US"/>
           </a:p>
@@ -3765,7 +3765,7 @@
           <a:p>
             <a:fld id="{1D8BD707-D9CF-40AE-B4C6-C98DA3205C09}" type="datetimeFigureOut">
               <a:rPr lang="en-US"/>
-              <a:t>6/2/2024</a:t>
+              <a:t>6/3/2024</a:t>
             </a:fld>
             <a:endParaRPr lang="en-US"/>
           </a:p>
@@ -3884,7 +3884,7 @@
           <a:p>
             <a:fld id="{1D8BD707-D9CF-40AE-B4C6-C98DA3205C09}" type="datetimeFigureOut">
               <a:rPr lang="en-US"/>
-              <a:t>6/2/2024</a:t>
+              <a:t>6/3/2024</a:t>
             </a:fld>
             <a:endParaRPr lang="en-US"/>
           </a:p>
@@ -4159,7 +4159,7 @@
           <a:p>
             <a:fld id="{1D8BD707-D9CF-40AE-B4C6-C98DA3205C09}" type="datetimeFigureOut">
               <a:rPr lang="en-US"/>
-              <a:t>6/2/2024</a:t>
+              <a:t>6/3/2024</a:t>
             </a:fld>
             <a:endParaRPr lang="en-US"/>
           </a:p>
@@ -4920,10 +4920,10 @@
       </p:grpSpPr>
       <p:pic>
         <p:nvPicPr>
-          <p:cNvPr id="37" name="Picture 36" descr="A blue and white logo&#10;&#10;Description automatically generated">
+          <p:cNvPr id="23" name="Picture 22">
             <a:extLst>
               <a:ext uri="{FF2B5EF4-FFF2-40B4-BE49-F238E27FC236}">
-                <a16:creationId xmlns:a16="http://schemas.microsoft.com/office/drawing/2014/main" id="{E455DCF8-0B52-37CD-A8B6-781E915D0F1F}"/>
+                <a16:creationId xmlns:a16="http://schemas.microsoft.com/office/drawing/2014/main" id="{57A3DE8C-906D-612B-9D02-9D467007F39B}"/>
               </a:ext>
             </a:extLst>
           </p:cNvPr>
@@ -4940,14 +4940,13 @@
               </a:ext>
             </a:extLst>
           </a:blip>
-          <a:stretch>
-            <a:fillRect/>
-          </a:stretch>
+          <a:srcRect/>
+          <a:stretch/>
         </p:blipFill>
         <p:spPr>
           <a:xfrm>
-            <a:off x="12765" y="13290"/>
-            <a:ext cx="2238376" cy="1707560"/>
+            <a:off x="0" y="13290"/>
+            <a:ext cx="1985733" cy="1707560"/>
           </a:xfrm>
           <a:prstGeom prst="rect">
             <a:avLst/>
@@ -9147,10 +9146,10 @@
       </p:grpSpPr>
       <p:pic>
         <p:nvPicPr>
-          <p:cNvPr id="33" name="Picture 32" descr="A blue and white logo&#10;&#10;Description automatically generated">
+          <p:cNvPr id="23" name="Picture 22">
             <a:extLst>
               <a:ext uri="{FF2B5EF4-FFF2-40B4-BE49-F238E27FC236}">
-                <a16:creationId xmlns:a16="http://schemas.microsoft.com/office/drawing/2014/main" id="{0D45DE70-56DB-CD9E-6C2D-93EA679369E2}"/>
+                <a16:creationId xmlns:a16="http://schemas.microsoft.com/office/drawing/2014/main" id="{C9358010-A11D-1D78-B3C7-83BAC5A8E282}"/>
               </a:ext>
             </a:extLst>
           </p:cNvPr>
@@ -9167,14 +9166,13 @@
               </a:ext>
             </a:extLst>
           </a:blip>
-          <a:stretch>
-            <a:fillRect/>
-          </a:stretch>
+          <a:srcRect/>
+          <a:stretch/>
         </p:blipFill>
         <p:spPr>
           <a:xfrm>
-            <a:off x="12765" y="13290"/>
-            <a:ext cx="2238376" cy="1707560"/>
+            <a:off x="0" y="13290"/>
+            <a:ext cx="1985733" cy="1707560"/>
           </a:xfrm>
           <a:prstGeom prst="rect">
             <a:avLst/>
@@ -13379,10 +13377,10 @@
       </p:grpSpPr>
       <p:pic>
         <p:nvPicPr>
-          <p:cNvPr id="14" name="Picture 13" descr="A blue and white logo&#10;&#10;Description automatically generated">
+          <p:cNvPr id="15" name="Picture 14">
             <a:extLst>
               <a:ext uri="{FF2B5EF4-FFF2-40B4-BE49-F238E27FC236}">
-                <a16:creationId xmlns:a16="http://schemas.microsoft.com/office/drawing/2014/main" id="{A131AFD2-532D-FE1E-88EC-A558AE63B30B}"/>
+                <a16:creationId xmlns:a16="http://schemas.microsoft.com/office/drawing/2014/main" id="{AE721164-140A-B8CB-C7C2-C5F5C29DCE8E}"/>
               </a:ext>
             </a:extLst>
           </p:cNvPr>
@@ -13399,14 +13397,13 @@
               </a:ext>
             </a:extLst>
           </a:blip>
-          <a:stretch>
-            <a:fillRect/>
-          </a:stretch>
+          <a:srcRect/>
+          <a:stretch/>
         </p:blipFill>
         <p:spPr>
           <a:xfrm>
-            <a:off x="12765" y="13290"/>
-            <a:ext cx="2238376" cy="1707560"/>
+            <a:off x="0" y="13290"/>
+            <a:ext cx="1985733" cy="1707560"/>
           </a:xfrm>
           <a:prstGeom prst="rect">
             <a:avLst/>
@@ -16048,10 +16045,10 @@
       </p:grpSpPr>
       <p:pic>
         <p:nvPicPr>
-          <p:cNvPr id="23" name="Picture 22" descr="A blue and white logo&#10;&#10;Description automatically generated">
+          <p:cNvPr id="24" name="Picture 23">
             <a:extLst>
               <a:ext uri="{FF2B5EF4-FFF2-40B4-BE49-F238E27FC236}">
-                <a16:creationId xmlns:a16="http://schemas.microsoft.com/office/drawing/2014/main" id="{19423460-3E9F-7583-97AD-2A8E244D6030}"/>
+                <a16:creationId xmlns:a16="http://schemas.microsoft.com/office/drawing/2014/main" id="{8C6F72F9-574A-129A-A146-3B39F60AD74A}"/>
               </a:ext>
             </a:extLst>
           </p:cNvPr>
@@ -16068,14 +16065,13 @@
               </a:ext>
             </a:extLst>
           </a:blip>
-          <a:stretch>
-            <a:fillRect/>
-          </a:stretch>
+          <a:srcRect/>
+          <a:stretch/>
         </p:blipFill>
         <p:spPr>
           <a:xfrm>
-            <a:off x="12765" y="13290"/>
-            <a:ext cx="2238376" cy="1707560"/>
+            <a:off x="0" y="13290"/>
+            <a:ext cx="1985733" cy="1707560"/>
           </a:xfrm>
           <a:prstGeom prst="rect">
             <a:avLst/>
@@ -23031,10 +23027,10 @@
       </p:sp>
       <p:pic>
         <p:nvPicPr>
-          <p:cNvPr id="16" name="Picture 15" descr="A blue and white logo&#10;&#10;Description automatically generated">
+          <p:cNvPr id="12" name="Picture 11">
             <a:extLst>
               <a:ext uri="{FF2B5EF4-FFF2-40B4-BE49-F238E27FC236}">
-                <a16:creationId xmlns:a16="http://schemas.microsoft.com/office/drawing/2014/main" id="{1F7DA78E-2DF1-3407-301D-8C9F297E06AD}"/>
+                <a16:creationId xmlns:a16="http://schemas.microsoft.com/office/drawing/2014/main" id="{47A7E1C1-BDFE-5EF7-ED19-837CC2545D6C}"/>
               </a:ext>
             </a:extLst>
           </p:cNvPr>
@@ -23057,8 +23053,8 @@
         </p:blipFill>
         <p:spPr>
           <a:xfrm>
-            <a:off x="12765" y="13290"/>
-            <a:ext cx="2238376" cy="1707560"/>
+            <a:off x="12764" y="-3563"/>
+            <a:ext cx="2251141" cy="1683026"/>
           </a:xfrm>
           <a:prstGeom prst="rect">
             <a:avLst/>
@@ -23092,7 +23088,7 @@
       </p:grpSpPr>
       <p:pic>
         <p:nvPicPr>
-          <p:cNvPr id="24" name="Picture 23" descr="A blue and white logo&#10;&#10;Description automatically generated">
+          <p:cNvPr id="24" name="Picture 23">
             <a:extLst>
               <a:ext uri="{FF2B5EF4-FFF2-40B4-BE49-F238E27FC236}">
                 <a16:creationId xmlns:a16="http://schemas.microsoft.com/office/drawing/2014/main" id="{CD9433A5-63DD-A304-1B54-30AFB7B1C002}"/>
@@ -23112,14 +23108,13 @@
               </a:ext>
             </a:extLst>
           </a:blip>
-          <a:stretch>
-            <a:fillRect/>
-          </a:stretch>
+          <a:srcRect/>
+          <a:stretch/>
         </p:blipFill>
         <p:spPr>
           <a:xfrm>
-            <a:off x="12765" y="13290"/>
-            <a:ext cx="2238376" cy="1707560"/>
+            <a:off x="0" y="13290"/>
+            <a:ext cx="1985733" cy="1707560"/>
           </a:xfrm>
           <a:prstGeom prst="rect">
             <a:avLst/>
@@ -25262,10 +25257,10 @@
       </p:grpSpPr>
       <p:pic>
         <p:nvPicPr>
-          <p:cNvPr id="24" name="Picture 23" descr="A blue and white logo&#10;&#10;Description automatically generated">
+          <p:cNvPr id="19" name="Picture 18">
             <a:extLst>
               <a:ext uri="{FF2B5EF4-FFF2-40B4-BE49-F238E27FC236}">
-                <a16:creationId xmlns:a16="http://schemas.microsoft.com/office/drawing/2014/main" id="{46A84D3C-68AC-6381-728A-F2F68513588A}"/>
+                <a16:creationId xmlns:a16="http://schemas.microsoft.com/office/drawing/2014/main" id="{072A5385-9BF5-05D2-5CC7-F507449C19CD}"/>
               </a:ext>
             </a:extLst>
           </p:cNvPr>
@@ -25282,14 +25277,13 @@
               </a:ext>
             </a:extLst>
           </a:blip>
-          <a:stretch>
-            <a:fillRect/>
-          </a:stretch>
+          <a:srcRect/>
+          <a:stretch/>
         </p:blipFill>
         <p:spPr>
           <a:xfrm>
-            <a:off x="12765" y="13290"/>
-            <a:ext cx="2238376" cy="1707560"/>
+            <a:off x="0" y="13290"/>
+            <a:ext cx="1985733" cy="1707560"/>
           </a:xfrm>
           <a:prstGeom prst="rect">
             <a:avLst/>
@@ -27442,10 +27436,10 @@
       </p:grpSpPr>
       <p:pic>
         <p:nvPicPr>
-          <p:cNvPr id="23" name="Picture 22" descr="A blue and white logo&#10;&#10;Description automatically generated">
+          <p:cNvPr id="3" name="Picture 2">
             <a:extLst>
               <a:ext uri="{FF2B5EF4-FFF2-40B4-BE49-F238E27FC236}">
-                <a16:creationId xmlns:a16="http://schemas.microsoft.com/office/drawing/2014/main" id="{6C7DC1CF-289A-00E7-6D2B-D3D4F3BDD927}"/>
+                <a16:creationId xmlns:a16="http://schemas.microsoft.com/office/drawing/2014/main" id="{94010E2E-5144-AFEF-5EE5-47A2795D01CE}"/>
               </a:ext>
             </a:extLst>
           </p:cNvPr>
@@ -27462,14 +27456,13 @@
               </a:ext>
             </a:extLst>
           </a:blip>
-          <a:stretch>
-            <a:fillRect/>
-          </a:stretch>
+          <a:srcRect/>
+          <a:stretch/>
         </p:blipFill>
         <p:spPr>
           <a:xfrm>
-            <a:off x="12765" y="13290"/>
-            <a:ext cx="2238376" cy="1707560"/>
+            <a:off x="0" y="13290"/>
+            <a:ext cx="1985733" cy="1707560"/>
           </a:xfrm>
           <a:prstGeom prst="rect">
             <a:avLst/>
@@ -28878,10 +28871,10 @@
       </p:grpSpPr>
       <p:pic>
         <p:nvPicPr>
-          <p:cNvPr id="11" name="Picture 10" descr="A blue and white logo&#10;&#10;Description automatically generated">
+          <p:cNvPr id="2" name="Picture 1">
             <a:extLst>
               <a:ext uri="{FF2B5EF4-FFF2-40B4-BE49-F238E27FC236}">
-                <a16:creationId xmlns:a16="http://schemas.microsoft.com/office/drawing/2014/main" id="{988F6500-19BA-BFCC-DC28-724CB3503D29}"/>
+                <a16:creationId xmlns:a16="http://schemas.microsoft.com/office/drawing/2014/main" id="{BA4202D9-D42F-643B-717F-E893D7FF1D6C}"/>
               </a:ext>
             </a:extLst>
           </p:cNvPr>
@@ -28898,14 +28891,13 @@
               </a:ext>
             </a:extLst>
           </a:blip>
-          <a:stretch>
-            <a:fillRect/>
-          </a:stretch>
+          <a:srcRect/>
+          <a:stretch/>
         </p:blipFill>
         <p:spPr>
           <a:xfrm>
-            <a:off x="12765" y="13290"/>
-            <a:ext cx="2238376" cy="1707560"/>
+            <a:off x="0" y="13290"/>
+            <a:ext cx="1985733" cy="1707560"/>
           </a:xfrm>
           <a:prstGeom prst="rect">
             <a:avLst/>
@@ -30355,10 +30347,10 @@
       </p:grpSpPr>
       <p:pic>
         <p:nvPicPr>
-          <p:cNvPr id="11" name="Picture 10" descr="A blue and white logo&#10;&#10;Description automatically generated">
+          <p:cNvPr id="2" name="Picture 1">
             <a:extLst>
               <a:ext uri="{FF2B5EF4-FFF2-40B4-BE49-F238E27FC236}">
-                <a16:creationId xmlns:a16="http://schemas.microsoft.com/office/drawing/2014/main" id="{B0DD79FC-82BD-FCDB-D0A2-A4C75A7303B0}"/>
+                <a16:creationId xmlns:a16="http://schemas.microsoft.com/office/drawing/2014/main" id="{4AAFADCF-5992-BE68-823F-863D6379F286}"/>
               </a:ext>
             </a:extLst>
           </p:cNvPr>
@@ -30375,14 +30367,13 @@
               </a:ext>
             </a:extLst>
           </a:blip>
-          <a:stretch>
-            <a:fillRect/>
-          </a:stretch>
+          <a:srcRect/>
+          <a:stretch/>
         </p:blipFill>
         <p:spPr>
           <a:xfrm>
-            <a:off x="12765" y="13290"/>
-            <a:ext cx="2238376" cy="1707560"/>
+            <a:off x="0" y="13290"/>
+            <a:ext cx="1985733" cy="1707560"/>
           </a:xfrm>
           <a:prstGeom prst="rect">
             <a:avLst/>
@@ -31796,10 +31787,10 @@
       </p:grpSpPr>
       <p:pic>
         <p:nvPicPr>
-          <p:cNvPr id="11" name="Picture 10" descr="A blue and white logo&#10;&#10;Description automatically generated">
+          <p:cNvPr id="2" name="Picture 1">
             <a:extLst>
               <a:ext uri="{FF2B5EF4-FFF2-40B4-BE49-F238E27FC236}">
-                <a16:creationId xmlns:a16="http://schemas.microsoft.com/office/drawing/2014/main" id="{65AD62E0-03CD-8A1F-E404-1B29EE4C2E96}"/>
+                <a16:creationId xmlns:a16="http://schemas.microsoft.com/office/drawing/2014/main" id="{1C739069-2845-7C1C-16FE-B7B94D1064EB}"/>
               </a:ext>
             </a:extLst>
           </p:cNvPr>
@@ -31816,14 +31807,13 @@
               </a:ext>
             </a:extLst>
           </a:blip>
-          <a:stretch>
-            <a:fillRect/>
-          </a:stretch>
+          <a:srcRect/>
+          <a:stretch/>
         </p:blipFill>
         <p:spPr>
           <a:xfrm>
-            <a:off x="12765" y="13290"/>
-            <a:ext cx="2238376" cy="1707560"/>
+            <a:off x="0" y="13290"/>
+            <a:ext cx="1985733" cy="1707560"/>
           </a:xfrm>
           <a:prstGeom prst="rect">
             <a:avLst/>
@@ -33303,10 +33293,10 @@
       </p:grpSpPr>
       <p:pic>
         <p:nvPicPr>
-          <p:cNvPr id="11" name="Picture 10" descr="A blue and white logo&#10;&#10;Description automatically generated">
+          <p:cNvPr id="2" name="Picture 1">
             <a:extLst>
               <a:ext uri="{FF2B5EF4-FFF2-40B4-BE49-F238E27FC236}">
-                <a16:creationId xmlns:a16="http://schemas.microsoft.com/office/drawing/2014/main" id="{65AD62E0-03CD-8A1F-E404-1B29EE4C2E96}"/>
+                <a16:creationId xmlns:a16="http://schemas.microsoft.com/office/drawing/2014/main" id="{F998801D-C1F7-57BD-0703-C950467CFF76}"/>
               </a:ext>
             </a:extLst>
           </p:cNvPr>
@@ -33323,14 +33313,13 @@
               </a:ext>
             </a:extLst>
           </a:blip>
-          <a:stretch>
-            <a:fillRect/>
-          </a:stretch>
+          <a:srcRect/>
+          <a:stretch/>
         </p:blipFill>
         <p:spPr>
           <a:xfrm>
-            <a:off x="12765" y="13290"/>
-            <a:ext cx="2238376" cy="1707560"/>
+            <a:off x="0" y="13290"/>
+            <a:ext cx="1985733" cy="1707560"/>
           </a:xfrm>
           <a:prstGeom prst="rect">
             <a:avLst/>
